--- a/JavaScriptikt.pptx
+++ b/JavaScriptikt.pptx
@@ -9,7 +9,10 @@
     <p:sldId id="257" r:id="rId3"/>
     <p:sldId id="258" r:id="rId4"/>
     <p:sldId id="259" r:id="rId5"/>
-    <p:sldId id="260" r:id="rId6"/>
+    <p:sldId id="262" r:id="rId6"/>
+    <p:sldId id="263" r:id="rId7"/>
+    <p:sldId id="260" r:id="rId8"/>
+    <p:sldId id="261" r:id="rId9"/>
   </p:sldIdLst>
   <p:sldSz cx="12192000" cy="6858000"/>
   <p:notesSz cx="6858000" cy="9144000"/>
@@ -108,7 +111,24 @@
       </a:defRPr>
     </a:lvl9pPr>
   </p:defaultTextStyle>
+  <p:extLst>
+    <p:ext uri="{EFAFB233-063F-42B5-8137-9DF3F51BA10A}">
+      <p15:sldGuideLst xmlns:p15="http://schemas.microsoft.com/office/powerpoint/2012/main"/>
+    </p:ext>
+  </p:extLst>
 </p:presentation>
+</file>
+
+<file path=ppt/commentAuthors.xml><?xml version="1.0" encoding="utf-8"?>
+<p:cmAuthorLst xmlns:a="http://schemas.openxmlformats.org/drawingml/2006/main" xmlns:r="http://schemas.openxmlformats.org/officeDocument/2006/relationships" xmlns:p="http://schemas.openxmlformats.org/presentationml/2006/main">
+  <p:cmAuthor id="1" name="Mihó André Dominik" initials="MAD" lastIdx="1" clrIdx="0">
+    <p:extLst>
+      <p:ext uri="{19B8F6BF-5375-455C-9EA6-DF929625EA0E}">
+        <p15:presenceInfo xmlns:p15="http://schemas.microsoft.com/office/powerpoint/2012/main" userId="Mihó André Dominik" providerId="None"/>
+      </p:ext>
+    </p:extLst>
+  </p:cmAuthor>
+</p:cmAuthorLst>
 </file>
 
 <file path=ppt/slideLayouts/slideLayout1.xml><?xml version="1.0" encoding="utf-8"?>
@@ -296,7 +316,7 @@
           <a:p>
             <a:fld id="{A67059D2-3230-4219-A949-C3C60EDE3B3D}" type="datetimeFigureOut">
               <a:rPr lang="hu-HU" smtClean="0"/>
-              <a:t>2022.09.14.</a:t>
+              <a:t>2022.09.15.</a:t>
             </a:fld>
             <a:endParaRPr lang="hu-HU"/>
           </a:p>
@@ -594,7 +614,7 @@
           <a:p>
             <a:fld id="{A67059D2-3230-4219-A949-C3C60EDE3B3D}" type="datetimeFigureOut">
               <a:rPr lang="hu-HU" smtClean="0"/>
-              <a:t>2022.09.14.</a:t>
+              <a:t>2022.09.15.</a:t>
             </a:fld>
             <a:endParaRPr lang="hu-HU"/>
           </a:p>
@@ -786,7 +806,7 @@
           <a:p>
             <a:fld id="{A67059D2-3230-4219-A949-C3C60EDE3B3D}" type="datetimeFigureOut">
               <a:rPr lang="hu-HU" smtClean="0"/>
-              <a:t>2022.09.14.</a:t>
+              <a:t>2022.09.15.</a:t>
             </a:fld>
             <a:endParaRPr lang="hu-HU"/>
           </a:p>
@@ -1047,7 +1067,7 @@
           <a:p>
             <a:fld id="{A67059D2-3230-4219-A949-C3C60EDE3B3D}" type="datetimeFigureOut">
               <a:rPr lang="hu-HU" smtClean="0"/>
-              <a:t>2022.09.14.</a:t>
+              <a:t>2022.09.15.</a:t>
             </a:fld>
             <a:endParaRPr lang="hu-HU"/>
           </a:p>
@@ -1471,7 +1491,7 @@
           <a:p>
             <a:fld id="{A67059D2-3230-4219-A949-C3C60EDE3B3D}" type="datetimeFigureOut">
               <a:rPr lang="hu-HU" smtClean="0"/>
-              <a:t>2022.09.14.</a:t>
+              <a:t>2022.09.15.</a:t>
             </a:fld>
             <a:endParaRPr lang="hu-HU"/>
           </a:p>
@@ -2008,7 +2028,7 @@
           <a:p>
             <a:fld id="{A67059D2-3230-4219-A949-C3C60EDE3B3D}" type="datetimeFigureOut">
               <a:rPr lang="hu-HU" smtClean="0"/>
-              <a:t>2022.09.14.</a:t>
+              <a:t>2022.09.15.</a:t>
             </a:fld>
             <a:endParaRPr lang="hu-HU"/>
           </a:p>
@@ -2872,7 +2892,7 @@
           <a:p>
             <a:fld id="{A67059D2-3230-4219-A949-C3C60EDE3B3D}" type="datetimeFigureOut">
               <a:rPr lang="hu-HU" smtClean="0"/>
-              <a:t>2022.09.14.</a:t>
+              <a:t>2022.09.15.</a:t>
             </a:fld>
             <a:endParaRPr lang="hu-HU"/>
           </a:p>
@@ -3042,7 +3062,7 @@
           <a:p>
             <a:fld id="{A67059D2-3230-4219-A949-C3C60EDE3B3D}" type="datetimeFigureOut">
               <a:rPr lang="hu-HU" smtClean="0"/>
-              <a:t>2022.09.14.</a:t>
+              <a:t>2022.09.15.</a:t>
             </a:fld>
             <a:endParaRPr lang="hu-HU"/>
           </a:p>
@@ -3226,7 +3246,7 @@
           <a:p>
             <a:fld id="{A67059D2-3230-4219-A949-C3C60EDE3B3D}" type="datetimeFigureOut">
               <a:rPr lang="hu-HU" smtClean="0"/>
-              <a:t>2022.09.14.</a:t>
+              <a:t>2022.09.15.</a:t>
             </a:fld>
             <a:endParaRPr lang="hu-HU"/>
           </a:p>
@@ -3396,7 +3416,7 @@
           <a:p>
             <a:fld id="{A67059D2-3230-4219-A949-C3C60EDE3B3D}" type="datetimeFigureOut">
               <a:rPr lang="hu-HU" smtClean="0"/>
-              <a:t>2022.09.14.</a:t>
+              <a:t>2022.09.15.</a:t>
             </a:fld>
             <a:endParaRPr lang="hu-HU"/>
           </a:p>
@@ -3640,7 +3660,7 @@
           <a:p>
             <a:fld id="{A67059D2-3230-4219-A949-C3C60EDE3B3D}" type="datetimeFigureOut">
               <a:rPr lang="hu-HU" smtClean="0"/>
-              <a:t>2022.09.14.</a:t>
+              <a:t>2022.09.15.</a:t>
             </a:fld>
             <a:endParaRPr lang="hu-HU"/>
           </a:p>
@@ -3876,7 +3896,7 @@
           <a:p>
             <a:fld id="{A67059D2-3230-4219-A949-C3C60EDE3B3D}" type="datetimeFigureOut">
               <a:rPr lang="hu-HU" smtClean="0"/>
-              <a:t>2022.09.14.</a:t>
+              <a:t>2022.09.15.</a:t>
             </a:fld>
             <a:endParaRPr lang="hu-HU"/>
           </a:p>
@@ -4342,7 +4362,7 @@
           <a:p>
             <a:fld id="{A67059D2-3230-4219-A949-C3C60EDE3B3D}" type="datetimeFigureOut">
               <a:rPr lang="hu-HU" smtClean="0"/>
-              <a:t>2022.09.14.</a:t>
+              <a:t>2022.09.15.</a:t>
             </a:fld>
             <a:endParaRPr lang="hu-HU"/>
           </a:p>
@@ -4460,7 +4480,7 @@
           <a:p>
             <a:fld id="{A67059D2-3230-4219-A949-C3C60EDE3B3D}" type="datetimeFigureOut">
               <a:rPr lang="hu-HU" smtClean="0"/>
-              <a:t>2022.09.14.</a:t>
+              <a:t>2022.09.15.</a:t>
             </a:fld>
             <a:endParaRPr lang="hu-HU"/>
           </a:p>
@@ -4555,7 +4575,7 @@
           <a:p>
             <a:fld id="{A67059D2-3230-4219-A949-C3C60EDE3B3D}" type="datetimeFigureOut">
               <a:rPr lang="hu-HU" smtClean="0"/>
-              <a:t>2022.09.14.</a:t>
+              <a:t>2022.09.15.</a:t>
             </a:fld>
             <a:endParaRPr lang="hu-HU"/>
           </a:p>
@@ -4810,7 +4830,7 @@
           <a:p>
             <a:fld id="{A67059D2-3230-4219-A949-C3C60EDE3B3D}" type="datetimeFigureOut">
               <a:rPr lang="hu-HU" smtClean="0"/>
-              <a:t>2022.09.14.</a:t>
+              <a:t>2022.09.15.</a:t>
             </a:fld>
             <a:endParaRPr lang="hu-HU"/>
           </a:p>
@@ -5110,7 +5130,7 @@
           <a:p>
             <a:fld id="{A67059D2-3230-4219-A949-C3C60EDE3B3D}" type="datetimeFigureOut">
               <a:rPr lang="hu-HU" smtClean="0"/>
-              <a:t>2022.09.14.</a:t>
+              <a:t>2022.09.15.</a:t>
             </a:fld>
             <a:endParaRPr lang="hu-HU"/>
           </a:p>
@@ -5344,7 +5364,7 @@
           <a:p>
             <a:fld id="{A67059D2-3230-4219-A949-C3C60EDE3B3D}" type="datetimeFigureOut">
               <a:rPr lang="hu-HU" smtClean="0"/>
-              <a:t>2022.09.14.</a:t>
+              <a:t>2022.09.15.</a:t>
             </a:fld>
             <a:endParaRPr lang="hu-HU"/>
           </a:p>
@@ -6392,28 +6412,14 @@
           <a:lstStyle/>
           <a:p>
             <a:r>
-              <a:rPr lang="hu-HU" dirty="0" smtClean="0">
-                <a:effectLst/>
-              </a:rPr>
-              <a:t> Nincs </a:t>
-            </a:r>
-            <a:r>
-              <a:rPr lang="hu-HU" dirty="0">
-                <a:effectLst/>
-              </a:rPr>
-              <a:t>köze </a:t>
-            </a:r>
-            <a:r>
-              <a:rPr lang="hu-HU" dirty="0" smtClean="0">
-                <a:effectLst/>
-              </a:rPr>
-              <a:t>a </a:t>
-            </a:r>
-            <a:r>
-              <a:rPr lang="hu-HU" dirty="0">
-                <a:effectLst/>
-              </a:rPr>
-              <a:t>Java-hoz</a:t>
+              <a:rPr lang="hu-HU" dirty="0" smtClean="0"/>
+              <a:t>Programozási nyelv</a:t>
+            </a:r>
+          </a:p>
+          <a:p>
+            <a:r>
+              <a:rPr lang="hu-HU" dirty="0" smtClean="0"/>
+              <a:t>Weboldalakon elterjedten használják</a:t>
             </a:r>
             <a:endParaRPr lang="hu-HU" dirty="0"/>
           </a:p>
@@ -6471,7 +6477,12 @@
           <a:bodyPr/>
           <a:lstStyle/>
           <a:p>
-            <a:endParaRPr lang="hu-HU"/>
+            <a:pPr algn="l"/>
+            <a:r>
+              <a:rPr lang="hu-HU" dirty="0" smtClean="0"/>
+              <a:t>Mire képes a JavaScript?</a:t>
+            </a:r>
+            <a:endParaRPr lang="hu-HU" dirty="0"/>
           </a:p>
         </p:txBody>
       </p:sp>
@@ -6490,7 +6501,23 @@
           <a:bodyPr/>
           <a:lstStyle/>
           <a:p>
-            <a:endParaRPr lang="hu-HU"/>
+            <a:r>
+              <a:rPr lang="hu-HU" dirty="0" smtClean="0"/>
+              <a:t>Függvény definiálás</a:t>
+            </a:r>
+          </a:p>
+          <a:p>
+            <a:r>
+              <a:rPr lang="hu-HU" dirty="0" smtClean="0"/>
+              <a:t>Saját osztály létrehozása</a:t>
+            </a:r>
+          </a:p>
+          <a:p>
+            <a:r>
+              <a:rPr lang="hu-HU" dirty="0" smtClean="0"/>
+              <a:t>Érték tárolása</a:t>
+            </a:r>
+            <a:endParaRPr lang="hu-HU" dirty="0"/>
           </a:p>
         </p:txBody>
       </p:sp>
@@ -6546,9 +6573,145 @@
           <a:bodyPr/>
           <a:lstStyle/>
           <a:p>
+            <a:endParaRPr lang="hu-HU"/>
+          </a:p>
+        </p:txBody>
+      </p:sp>
+      <p:sp>
+        <p:nvSpPr>
+          <p:cNvPr id="3" name="Tartalom helye 2"/>
+          <p:cNvSpPr>
+            <a:spLocks noGrp="1"/>
+          </p:cNvSpPr>
+          <p:nvPr>
+            <p:ph idx="1"/>
+          </p:nvPr>
+        </p:nvSpPr>
+        <p:spPr/>
+        <p:txBody>
+          <a:bodyPr/>
+          <a:lstStyle/>
+          <a:p>
+            <a:endParaRPr lang="hu-HU"/>
+          </a:p>
+        </p:txBody>
+      </p:sp>
+    </p:spTree>
+    <p:extLst>
+      <p:ext uri="{BB962C8B-B14F-4D97-AF65-F5344CB8AC3E}">
+        <p14:creationId xmlns:p14="http://schemas.microsoft.com/office/powerpoint/2010/main" val="1410306481"/>
+      </p:ext>
+    </p:extLst>
+  </p:cSld>
+  <p:clrMapOvr>
+    <a:masterClrMapping/>
+  </p:clrMapOvr>
+</p:sld>
+</file>
+
+<file path=ppt/slides/slide6.xml><?xml version="1.0" encoding="utf-8"?>
+<p:sld xmlns:a="http://schemas.openxmlformats.org/drawingml/2006/main" xmlns:r="http://schemas.openxmlformats.org/officeDocument/2006/relationships" xmlns:p="http://schemas.openxmlformats.org/presentationml/2006/main">
+  <p:cSld>
+    <p:spTree>
+      <p:nvGrpSpPr>
+        <p:cNvPr id="1" name=""/>
+        <p:cNvGrpSpPr/>
+        <p:nvPr/>
+      </p:nvGrpSpPr>
+      <p:grpSpPr>
+        <a:xfrm>
+          <a:off x="0" y="0"/>
+          <a:ext cx="0" cy="0"/>
+          <a:chOff x="0" y="0"/>
+          <a:chExt cx="0" cy="0"/>
+        </a:xfrm>
+      </p:grpSpPr>
+      <p:sp>
+        <p:nvSpPr>
+          <p:cNvPr id="2" name="Cím 1"/>
+          <p:cNvSpPr>
+            <a:spLocks noGrp="1"/>
+          </p:cNvSpPr>
+          <p:nvPr>
+            <p:ph type="title"/>
+          </p:nvPr>
+        </p:nvSpPr>
+        <p:spPr/>
+        <p:txBody>
+          <a:bodyPr/>
+          <a:lstStyle/>
+          <a:p>
+            <a:endParaRPr lang="hu-HU"/>
+          </a:p>
+        </p:txBody>
+      </p:sp>
+      <p:sp>
+        <p:nvSpPr>
+          <p:cNvPr id="3" name="Tartalom helye 2"/>
+          <p:cNvSpPr>
+            <a:spLocks noGrp="1"/>
+          </p:cNvSpPr>
+          <p:nvPr>
+            <p:ph idx="1"/>
+          </p:nvPr>
+        </p:nvSpPr>
+        <p:spPr/>
+        <p:txBody>
+          <a:bodyPr/>
+          <a:lstStyle/>
+          <a:p>
+            <a:endParaRPr lang="hu-HU" dirty="0"/>
+          </a:p>
+        </p:txBody>
+      </p:sp>
+    </p:spTree>
+    <p:extLst>
+      <p:ext uri="{BB962C8B-B14F-4D97-AF65-F5344CB8AC3E}">
+        <p14:creationId xmlns:p14="http://schemas.microsoft.com/office/powerpoint/2010/main" val="49063834"/>
+      </p:ext>
+    </p:extLst>
+  </p:cSld>
+  <p:clrMapOvr>
+    <a:masterClrMapping/>
+  </p:clrMapOvr>
+</p:sld>
+</file>
+
+<file path=ppt/slides/slide7.xml><?xml version="1.0" encoding="utf-8"?>
+<p:sld xmlns:a="http://schemas.openxmlformats.org/drawingml/2006/main" xmlns:r="http://schemas.openxmlformats.org/officeDocument/2006/relationships" xmlns:p="http://schemas.openxmlformats.org/presentationml/2006/main">
+  <p:cSld>
+    <p:spTree>
+      <p:nvGrpSpPr>
+        <p:cNvPr id="1" name=""/>
+        <p:cNvGrpSpPr/>
+        <p:nvPr/>
+      </p:nvGrpSpPr>
+      <p:grpSpPr>
+        <a:xfrm>
+          <a:off x="0" y="0"/>
+          <a:ext cx="0" cy="0"/>
+          <a:chOff x="0" y="0"/>
+          <a:chExt cx="0" cy="0"/>
+        </a:xfrm>
+      </p:grpSpPr>
+      <p:sp>
+        <p:nvSpPr>
+          <p:cNvPr id="2" name="Cím 1"/>
+          <p:cNvSpPr>
+            <a:spLocks noGrp="1"/>
+          </p:cNvSpPr>
+          <p:nvPr>
+            <p:ph type="title"/>
+          </p:nvPr>
+        </p:nvSpPr>
+        <p:spPr/>
+        <p:txBody>
+          <a:bodyPr/>
+          <a:lstStyle/>
+          <a:p>
             <a:pPr algn="l"/>
             <a:r>
-              <a:rPr lang="hu-HU" dirty="0" smtClean="0"/>
+              <a:rPr lang="hu-HU" dirty="0"/>
               <a:t>Források</a:t>
             </a:r>
             <a:endParaRPr lang="hu-HU" dirty="0"/>
@@ -6570,7 +6733,43 @@
           <a:bodyPr/>
           <a:lstStyle/>
           <a:p>
-            <a:endParaRPr lang="hu-HU"/>
+            <a:r>
+              <a:rPr lang="hu-HU" dirty="0">
+                <a:hlinkClick r:id="rId2"/>
+              </a:rPr>
+              <a:t>https://</a:t>
+            </a:r>
+            <a:r>
+              <a:rPr lang="hu-HU" dirty="0" smtClean="0">
+                <a:hlinkClick r:id="rId2"/>
+              </a:rPr>
+              <a:t>hu.wikipedia.org/wiki/JavaScript</a:t>
+            </a:r>
+            <a:endParaRPr lang="hu-HU" dirty="0" smtClean="0"/>
+          </a:p>
+          <a:p>
+            <a:r>
+              <a:rPr lang="hu-HU">
+                <a:hlinkClick r:id="rId3"/>
+              </a:rPr>
+              <a:t>https</a:t>
+            </a:r>
+            <a:r>
+              <a:rPr lang="hu-HU">
+                <a:hlinkClick r:id="rId3"/>
+              </a:rPr>
+              <a:t>://</a:t>
+            </a:r>
+            <a:r>
+              <a:rPr lang="hu-HU" smtClean="0">
+                <a:hlinkClick r:id="rId3"/>
+              </a:rPr>
+              <a:t>matebalazs.hu/javascript.html</a:t>
+            </a:r>
+            <a:endParaRPr lang="hu-HU" smtClean="0"/>
+          </a:p>
+          <a:p>
+            <a:endParaRPr lang="hu-HU" dirty="0"/>
           </a:p>
         </p:txBody>
       </p:sp>
@@ -6578,6 +6777,86 @@
     <p:extLst>
       <p:ext uri="{BB962C8B-B14F-4D97-AF65-F5344CB8AC3E}">
         <p14:creationId xmlns:p14="http://schemas.microsoft.com/office/powerpoint/2010/main" val="3193078191"/>
+      </p:ext>
+    </p:extLst>
+  </p:cSld>
+  <p:clrMapOvr>
+    <a:masterClrMapping/>
+  </p:clrMapOvr>
+  <p:timing>
+    <p:tnLst>
+      <p:par>
+        <p:cTn id="1" dur="indefinite" restart="never" nodeType="tmRoot"/>
+      </p:par>
+    </p:tnLst>
+  </p:timing>
+</p:sld>
+</file>
+
+<file path=ppt/slides/slide8.xml><?xml version="1.0" encoding="utf-8"?>
+<p:sld xmlns:a="http://schemas.openxmlformats.org/drawingml/2006/main" xmlns:r="http://schemas.openxmlformats.org/officeDocument/2006/relationships" xmlns:p="http://schemas.openxmlformats.org/presentationml/2006/main">
+  <p:cSld>
+    <p:spTree>
+      <p:nvGrpSpPr>
+        <p:cNvPr id="1" name=""/>
+        <p:cNvGrpSpPr/>
+        <p:nvPr/>
+      </p:nvGrpSpPr>
+      <p:grpSpPr>
+        <a:xfrm>
+          <a:off x="0" y="0"/>
+          <a:ext cx="0" cy="0"/>
+          <a:chOff x="0" y="0"/>
+          <a:chExt cx="0" cy="0"/>
+        </a:xfrm>
+      </p:grpSpPr>
+      <p:sp>
+        <p:nvSpPr>
+          <p:cNvPr id="2" name="Cím 1"/>
+          <p:cNvSpPr>
+            <a:spLocks noGrp="1"/>
+          </p:cNvSpPr>
+          <p:nvPr>
+            <p:ph type="title"/>
+          </p:nvPr>
+        </p:nvSpPr>
+        <p:spPr/>
+        <p:txBody>
+          <a:bodyPr/>
+          <a:lstStyle/>
+          <a:p>
+            <a:pPr algn="l"/>
+            <a:r>
+              <a:rPr lang="hu-HU" dirty="0" smtClean="0"/>
+              <a:t>Köszönöm a figyelmet</a:t>
+            </a:r>
+            <a:endParaRPr lang="hu-HU" dirty="0"/>
+          </a:p>
+        </p:txBody>
+      </p:sp>
+      <p:sp>
+        <p:nvSpPr>
+          <p:cNvPr id="3" name="Tartalom helye 2"/>
+          <p:cNvSpPr>
+            <a:spLocks noGrp="1"/>
+          </p:cNvSpPr>
+          <p:nvPr>
+            <p:ph idx="1"/>
+          </p:nvPr>
+        </p:nvSpPr>
+        <p:spPr/>
+        <p:txBody>
+          <a:bodyPr/>
+          <a:lstStyle/>
+          <a:p>
+            <a:endParaRPr lang="hu-HU"/>
+          </a:p>
+        </p:txBody>
+      </p:sp>
+    </p:spTree>
+    <p:extLst>
+      <p:ext uri="{BB962C8B-B14F-4D97-AF65-F5344CB8AC3E}">
+        <p14:creationId xmlns:p14="http://schemas.microsoft.com/office/powerpoint/2010/main" val="2892047202"/>
       </p:ext>
     </p:extLst>
   </p:cSld>

--- a/JavaScriptikt.pptx
+++ b/JavaScriptikt.pptx
@@ -316,7 +316,7 @@
           <a:p>
             <a:fld id="{A67059D2-3230-4219-A949-C3C60EDE3B3D}" type="datetimeFigureOut">
               <a:rPr lang="hu-HU" smtClean="0"/>
-              <a:t>2022.09.15.</a:t>
+              <a:t>2022.09.19.</a:t>
             </a:fld>
             <a:endParaRPr lang="hu-HU"/>
           </a:p>
@@ -614,7 +614,7 @@
           <a:p>
             <a:fld id="{A67059D2-3230-4219-A949-C3C60EDE3B3D}" type="datetimeFigureOut">
               <a:rPr lang="hu-HU" smtClean="0"/>
-              <a:t>2022.09.15.</a:t>
+              <a:t>2022.09.19.</a:t>
             </a:fld>
             <a:endParaRPr lang="hu-HU"/>
           </a:p>
@@ -806,7 +806,7 @@
           <a:p>
             <a:fld id="{A67059D2-3230-4219-A949-C3C60EDE3B3D}" type="datetimeFigureOut">
               <a:rPr lang="hu-HU" smtClean="0"/>
-              <a:t>2022.09.15.</a:t>
+              <a:t>2022.09.19.</a:t>
             </a:fld>
             <a:endParaRPr lang="hu-HU"/>
           </a:p>
@@ -1067,7 +1067,7 @@
           <a:p>
             <a:fld id="{A67059D2-3230-4219-A949-C3C60EDE3B3D}" type="datetimeFigureOut">
               <a:rPr lang="hu-HU" smtClean="0"/>
-              <a:t>2022.09.15.</a:t>
+              <a:t>2022.09.19.</a:t>
             </a:fld>
             <a:endParaRPr lang="hu-HU"/>
           </a:p>
@@ -1491,7 +1491,7 @@
           <a:p>
             <a:fld id="{A67059D2-3230-4219-A949-C3C60EDE3B3D}" type="datetimeFigureOut">
               <a:rPr lang="hu-HU" smtClean="0"/>
-              <a:t>2022.09.15.</a:t>
+              <a:t>2022.09.19.</a:t>
             </a:fld>
             <a:endParaRPr lang="hu-HU"/>
           </a:p>
@@ -2028,7 +2028,7 @@
           <a:p>
             <a:fld id="{A67059D2-3230-4219-A949-C3C60EDE3B3D}" type="datetimeFigureOut">
               <a:rPr lang="hu-HU" smtClean="0"/>
-              <a:t>2022.09.15.</a:t>
+              <a:t>2022.09.19.</a:t>
             </a:fld>
             <a:endParaRPr lang="hu-HU"/>
           </a:p>
@@ -2892,7 +2892,7 @@
           <a:p>
             <a:fld id="{A67059D2-3230-4219-A949-C3C60EDE3B3D}" type="datetimeFigureOut">
               <a:rPr lang="hu-HU" smtClean="0"/>
-              <a:t>2022.09.15.</a:t>
+              <a:t>2022.09.19.</a:t>
             </a:fld>
             <a:endParaRPr lang="hu-HU"/>
           </a:p>
@@ -3062,7 +3062,7 @@
           <a:p>
             <a:fld id="{A67059D2-3230-4219-A949-C3C60EDE3B3D}" type="datetimeFigureOut">
               <a:rPr lang="hu-HU" smtClean="0"/>
-              <a:t>2022.09.15.</a:t>
+              <a:t>2022.09.19.</a:t>
             </a:fld>
             <a:endParaRPr lang="hu-HU"/>
           </a:p>
@@ -3246,7 +3246,7 @@
           <a:p>
             <a:fld id="{A67059D2-3230-4219-A949-C3C60EDE3B3D}" type="datetimeFigureOut">
               <a:rPr lang="hu-HU" smtClean="0"/>
-              <a:t>2022.09.15.</a:t>
+              <a:t>2022.09.19.</a:t>
             </a:fld>
             <a:endParaRPr lang="hu-HU"/>
           </a:p>
@@ -3416,7 +3416,7 @@
           <a:p>
             <a:fld id="{A67059D2-3230-4219-A949-C3C60EDE3B3D}" type="datetimeFigureOut">
               <a:rPr lang="hu-HU" smtClean="0"/>
-              <a:t>2022.09.15.</a:t>
+              <a:t>2022.09.19.</a:t>
             </a:fld>
             <a:endParaRPr lang="hu-HU"/>
           </a:p>
@@ -3660,7 +3660,7 @@
           <a:p>
             <a:fld id="{A67059D2-3230-4219-A949-C3C60EDE3B3D}" type="datetimeFigureOut">
               <a:rPr lang="hu-HU" smtClean="0"/>
-              <a:t>2022.09.15.</a:t>
+              <a:t>2022.09.19.</a:t>
             </a:fld>
             <a:endParaRPr lang="hu-HU"/>
           </a:p>
@@ -3896,7 +3896,7 @@
           <a:p>
             <a:fld id="{A67059D2-3230-4219-A949-C3C60EDE3B3D}" type="datetimeFigureOut">
               <a:rPr lang="hu-HU" smtClean="0"/>
-              <a:t>2022.09.15.</a:t>
+              <a:t>2022.09.19.</a:t>
             </a:fld>
             <a:endParaRPr lang="hu-HU"/>
           </a:p>
@@ -4362,7 +4362,7 @@
           <a:p>
             <a:fld id="{A67059D2-3230-4219-A949-C3C60EDE3B3D}" type="datetimeFigureOut">
               <a:rPr lang="hu-HU" smtClean="0"/>
-              <a:t>2022.09.15.</a:t>
+              <a:t>2022.09.19.</a:t>
             </a:fld>
             <a:endParaRPr lang="hu-HU"/>
           </a:p>
@@ -4480,7 +4480,7 @@
           <a:p>
             <a:fld id="{A67059D2-3230-4219-A949-C3C60EDE3B3D}" type="datetimeFigureOut">
               <a:rPr lang="hu-HU" smtClean="0"/>
-              <a:t>2022.09.15.</a:t>
+              <a:t>2022.09.19.</a:t>
             </a:fld>
             <a:endParaRPr lang="hu-HU"/>
           </a:p>
@@ -4575,7 +4575,7 @@
           <a:p>
             <a:fld id="{A67059D2-3230-4219-A949-C3C60EDE3B3D}" type="datetimeFigureOut">
               <a:rPr lang="hu-HU" smtClean="0"/>
-              <a:t>2022.09.15.</a:t>
+              <a:t>2022.09.19.</a:t>
             </a:fld>
             <a:endParaRPr lang="hu-HU"/>
           </a:p>
@@ -4830,7 +4830,7 @@
           <a:p>
             <a:fld id="{A67059D2-3230-4219-A949-C3C60EDE3B3D}" type="datetimeFigureOut">
               <a:rPr lang="hu-HU" smtClean="0"/>
-              <a:t>2022.09.15.</a:t>
+              <a:t>2022.09.19.</a:t>
             </a:fld>
             <a:endParaRPr lang="hu-HU"/>
           </a:p>
@@ -5130,7 +5130,7 @@
           <a:p>
             <a:fld id="{A67059D2-3230-4219-A949-C3C60EDE3B3D}" type="datetimeFigureOut">
               <a:rPr lang="hu-HU" smtClean="0"/>
-              <a:t>2022.09.15.</a:t>
+              <a:t>2022.09.19.</a:t>
             </a:fld>
             <a:endParaRPr lang="hu-HU"/>
           </a:p>
@@ -5364,7 +5364,7 @@
           <a:p>
             <a:fld id="{A67059D2-3230-4219-A949-C3C60EDE3B3D}" type="datetimeFigureOut">
               <a:rPr lang="hu-HU" smtClean="0"/>
-              <a:t>2022.09.15.</a:t>
+              <a:t>2022.09.19.</a:t>
             </a:fld>
             <a:endParaRPr lang="hu-HU"/>
           </a:p>
@@ -6573,7 +6573,12 @@
           <a:bodyPr/>
           <a:lstStyle/>
           <a:p>
-            <a:endParaRPr lang="hu-HU"/>
+            <a:pPr algn="l"/>
+            <a:r>
+              <a:rPr lang="hu-HU" dirty="0" smtClean="0"/>
+              <a:t>V8</a:t>
+            </a:r>
+            <a:endParaRPr lang="hu-HU" dirty="0"/>
           </a:p>
         </p:txBody>
       </p:sp>
@@ -6592,7 +6597,35 @@
           <a:bodyPr/>
           <a:lstStyle/>
           <a:p>
-            <a:endParaRPr lang="hu-HU"/>
+            <a:r>
+              <a:rPr lang="hu-HU" dirty="0" smtClean="0"/>
+              <a:t>Ennek köszönheti </a:t>
+            </a:r>
+            <a:r>
+              <a:rPr lang="hu-HU" dirty="0" err="1" smtClean="0"/>
+              <a:t>chrome</a:t>
+            </a:r>
+            <a:r>
+              <a:rPr lang="hu-HU" dirty="0" smtClean="0"/>
+              <a:t> a hírességét mint böngésző</a:t>
+            </a:r>
+          </a:p>
+          <a:p>
+            <a:r>
+              <a:rPr lang="hu-HU" dirty="0" smtClean="0"/>
+              <a:t>Mai napig leggyorsabb </a:t>
+            </a:r>
+            <a:r>
+              <a:rPr lang="hu-HU" dirty="0" err="1" smtClean="0"/>
+              <a:t>javascript</a:t>
+            </a:r>
+            <a:r>
+              <a:rPr lang="hu-HU" dirty="0" smtClean="0"/>
+              <a:t> motor</a:t>
+            </a:r>
+          </a:p>
+          <a:p>
+            <a:endParaRPr lang="hu-HU" dirty="0"/>
           </a:p>
         </p:txBody>
       </p:sp>
@@ -6606,6 +6639,13 @@
   <p:clrMapOvr>
     <a:masterClrMapping/>
   </p:clrMapOvr>
+  <p:timing>
+    <p:tnLst>
+      <p:par>
+        <p:cTn id="1" dur="indefinite" restart="never" nodeType="tmRoot"/>
+      </p:par>
+    </p:tnLst>
+  </p:timing>
 </p:sld>
 </file>
 
@@ -6674,6 +6714,13 @@
   <p:clrMapOvr>
     <a:masterClrMapping/>
   </p:clrMapOvr>
+  <p:timing>
+    <p:tnLst>
+      <p:par>
+        <p:cTn id="1" dur="indefinite" restart="never" nodeType="tmRoot"/>
+      </p:par>
+    </p:tnLst>
+  </p:timing>
 </p:sld>
 </file>
 
@@ -6714,7 +6761,6 @@
               <a:rPr lang="hu-HU" dirty="0"/>
               <a:t>Források</a:t>
             </a:r>
-            <a:endParaRPr lang="hu-HU" dirty="0"/>
           </a:p>
         </p:txBody>
       </p:sp>
@@ -6752,13 +6798,7 @@
               <a:rPr lang="hu-HU">
                 <a:hlinkClick r:id="rId3"/>
               </a:rPr>
-              <a:t>https</a:t>
-            </a:r>
-            <a:r>
-              <a:rPr lang="hu-HU">
-                <a:hlinkClick r:id="rId3"/>
-              </a:rPr>
-              <a:t>://</a:t>
+              <a:t>https://</a:t>
             </a:r>
             <a:r>
               <a:rPr lang="hu-HU" smtClean="0">

--- a/JavaScriptikt.pptx
+++ b/JavaScriptikt.pptx
@@ -10,9 +10,8 @@
     <p:sldId id="258" r:id="rId4"/>
     <p:sldId id="259" r:id="rId5"/>
     <p:sldId id="262" r:id="rId6"/>
-    <p:sldId id="263" r:id="rId7"/>
-    <p:sldId id="260" r:id="rId8"/>
-    <p:sldId id="261" r:id="rId9"/>
+    <p:sldId id="260" r:id="rId7"/>
+    <p:sldId id="261" r:id="rId8"/>
   </p:sldIdLst>
   <p:sldSz cx="12192000" cy="6858000"/>
   <p:notesSz cx="6858000" cy="9144000"/>
@@ -316,7 +315,7 @@
           <a:p>
             <a:fld id="{A67059D2-3230-4219-A949-C3C60EDE3B3D}" type="datetimeFigureOut">
               <a:rPr lang="hu-HU" smtClean="0"/>
-              <a:t>2022.09.19.</a:t>
+              <a:t>2022.09.21.</a:t>
             </a:fld>
             <a:endParaRPr lang="hu-HU"/>
           </a:p>
@@ -614,7 +613,7 @@
           <a:p>
             <a:fld id="{A67059D2-3230-4219-A949-C3C60EDE3B3D}" type="datetimeFigureOut">
               <a:rPr lang="hu-HU" smtClean="0"/>
-              <a:t>2022.09.19.</a:t>
+              <a:t>2022.09.21.</a:t>
             </a:fld>
             <a:endParaRPr lang="hu-HU"/>
           </a:p>
@@ -806,7 +805,7 @@
           <a:p>
             <a:fld id="{A67059D2-3230-4219-A949-C3C60EDE3B3D}" type="datetimeFigureOut">
               <a:rPr lang="hu-HU" smtClean="0"/>
-              <a:t>2022.09.19.</a:t>
+              <a:t>2022.09.21.</a:t>
             </a:fld>
             <a:endParaRPr lang="hu-HU"/>
           </a:p>
@@ -1067,7 +1066,7 @@
           <a:p>
             <a:fld id="{A67059D2-3230-4219-A949-C3C60EDE3B3D}" type="datetimeFigureOut">
               <a:rPr lang="hu-HU" smtClean="0"/>
-              <a:t>2022.09.19.</a:t>
+              <a:t>2022.09.21.</a:t>
             </a:fld>
             <a:endParaRPr lang="hu-HU"/>
           </a:p>
@@ -1491,7 +1490,7 @@
           <a:p>
             <a:fld id="{A67059D2-3230-4219-A949-C3C60EDE3B3D}" type="datetimeFigureOut">
               <a:rPr lang="hu-HU" smtClean="0"/>
-              <a:t>2022.09.19.</a:t>
+              <a:t>2022.09.21.</a:t>
             </a:fld>
             <a:endParaRPr lang="hu-HU"/>
           </a:p>
@@ -2028,7 +2027,7 @@
           <a:p>
             <a:fld id="{A67059D2-3230-4219-A949-C3C60EDE3B3D}" type="datetimeFigureOut">
               <a:rPr lang="hu-HU" smtClean="0"/>
-              <a:t>2022.09.19.</a:t>
+              <a:t>2022.09.21.</a:t>
             </a:fld>
             <a:endParaRPr lang="hu-HU"/>
           </a:p>
@@ -2892,7 +2891,7 @@
           <a:p>
             <a:fld id="{A67059D2-3230-4219-A949-C3C60EDE3B3D}" type="datetimeFigureOut">
               <a:rPr lang="hu-HU" smtClean="0"/>
-              <a:t>2022.09.19.</a:t>
+              <a:t>2022.09.21.</a:t>
             </a:fld>
             <a:endParaRPr lang="hu-HU"/>
           </a:p>
@@ -3062,7 +3061,7 @@
           <a:p>
             <a:fld id="{A67059D2-3230-4219-A949-C3C60EDE3B3D}" type="datetimeFigureOut">
               <a:rPr lang="hu-HU" smtClean="0"/>
-              <a:t>2022.09.19.</a:t>
+              <a:t>2022.09.21.</a:t>
             </a:fld>
             <a:endParaRPr lang="hu-HU"/>
           </a:p>
@@ -3246,7 +3245,7 @@
           <a:p>
             <a:fld id="{A67059D2-3230-4219-A949-C3C60EDE3B3D}" type="datetimeFigureOut">
               <a:rPr lang="hu-HU" smtClean="0"/>
-              <a:t>2022.09.19.</a:t>
+              <a:t>2022.09.21.</a:t>
             </a:fld>
             <a:endParaRPr lang="hu-HU"/>
           </a:p>
@@ -3416,7 +3415,7 @@
           <a:p>
             <a:fld id="{A67059D2-3230-4219-A949-C3C60EDE3B3D}" type="datetimeFigureOut">
               <a:rPr lang="hu-HU" smtClean="0"/>
-              <a:t>2022.09.19.</a:t>
+              <a:t>2022.09.21.</a:t>
             </a:fld>
             <a:endParaRPr lang="hu-HU"/>
           </a:p>
@@ -3660,7 +3659,7 @@
           <a:p>
             <a:fld id="{A67059D2-3230-4219-A949-C3C60EDE3B3D}" type="datetimeFigureOut">
               <a:rPr lang="hu-HU" smtClean="0"/>
-              <a:t>2022.09.19.</a:t>
+              <a:t>2022.09.21.</a:t>
             </a:fld>
             <a:endParaRPr lang="hu-HU"/>
           </a:p>
@@ -3896,7 +3895,7 @@
           <a:p>
             <a:fld id="{A67059D2-3230-4219-A949-C3C60EDE3B3D}" type="datetimeFigureOut">
               <a:rPr lang="hu-HU" smtClean="0"/>
-              <a:t>2022.09.19.</a:t>
+              <a:t>2022.09.21.</a:t>
             </a:fld>
             <a:endParaRPr lang="hu-HU"/>
           </a:p>
@@ -4362,7 +4361,7 @@
           <a:p>
             <a:fld id="{A67059D2-3230-4219-A949-C3C60EDE3B3D}" type="datetimeFigureOut">
               <a:rPr lang="hu-HU" smtClean="0"/>
-              <a:t>2022.09.19.</a:t>
+              <a:t>2022.09.21.</a:t>
             </a:fld>
             <a:endParaRPr lang="hu-HU"/>
           </a:p>
@@ -4480,7 +4479,7 @@
           <a:p>
             <a:fld id="{A67059D2-3230-4219-A949-C3C60EDE3B3D}" type="datetimeFigureOut">
               <a:rPr lang="hu-HU" smtClean="0"/>
-              <a:t>2022.09.19.</a:t>
+              <a:t>2022.09.21.</a:t>
             </a:fld>
             <a:endParaRPr lang="hu-HU"/>
           </a:p>
@@ -4575,7 +4574,7 @@
           <a:p>
             <a:fld id="{A67059D2-3230-4219-A949-C3C60EDE3B3D}" type="datetimeFigureOut">
               <a:rPr lang="hu-HU" smtClean="0"/>
-              <a:t>2022.09.19.</a:t>
+              <a:t>2022.09.21.</a:t>
             </a:fld>
             <a:endParaRPr lang="hu-HU"/>
           </a:p>
@@ -4830,7 +4829,7 @@
           <a:p>
             <a:fld id="{A67059D2-3230-4219-A949-C3C60EDE3B3D}" type="datetimeFigureOut">
               <a:rPr lang="hu-HU" smtClean="0"/>
-              <a:t>2022.09.19.</a:t>
+              <a:t>2022.09.21.</a:t>
             </a:fld>
             <a:endParaRPr lang="hu-HU"/>
           </a:p>
@@ -5130,7 +5129,7 @@
           <a:p>
             <a:fld id="{A67059D2-3230-4219-A949-C3C60EDE3B3D}" type="datetimeFigureOut">
               <a:rPr lang="hu-HU" smtClean="0"/>
-              <a:t>2022.09.19.</a:t>
+              <a:t>2022.09.21.</a:t>
             </a:fld>
             <a:endParaRPr lang="hu-HU"/>
           </a:p>
@@ -5364,7 +5363,7 @@
           <a:p>
             <a:fld id="{A67059D2-3230-4219-A949-C3C60EDE3B3D}" type="datetimeFigureOut">
               <a:rPr lang="hu-HU" smtClean="0"/>
-              <a:t>2022.09.19.</a:t>
+              <a:t>2022.09.21.</a:t>
             </a:fld>
             <a:endParaRPr lang="hu-HU"/>
           </a:p>
@@ -6317,7 +6316,7 @@
         </p:blipFill>
         <p:spPr bwMode="auto">
           <a:xfrm>
-            <a:off x="7562625" y="1290917"/>
+            <a:off x="7993608" y="523539"/>
             <a:ext cx="3273949" cy="3273949"/>
           </a:xfrm>
           <a:prstGeom prst="rect">
@@ -6425,6 +6424,36 @@
           </a:p>
         </p:txBody>
       </p:sp>
+      <p:pic>
+        <p:nvPicPr>
+          <p:cNvPr id="4" name="Kép 3"/>
+          <p:cNvPicPr>
+            <a:picLocks noChangeAspect="1"/>
+          </p:cNvPicPr>
+          <p:nvPr/>
+        </p:nvPicPr>
+        <p:blipFill>
+          <a:blip r:embed="rId2">
+            <a:extLst>
+              <a:ext uri="{28A0092B-C50C-407E-A947-70E740481C1C}">
+                <a14:useLocalDpi xmlns:a14="http://schemas.microsoft.com/office/drawing/2010/main" val="0"/>
+              </a:ext>
+            </a:extLst>
+          </a:blip>
+          <a:stretch>
+            <a:fillRect/>
+          </a:stretch>
+        </p:blipFill>
+        <p:spPr>
+          <a:xfrm>
+            <a:off x="7261300" y="0"/>
+            <a:ext cx="4210050" cy="4086225"/>
+          </a:xfrm>
+          <a:prstGeom prst="rect">
+            <a:avLst/>
+          </a:prstGeom>
+        </p:spPr>
+      </p:pic>
     </p:spTree>
     <p:extLst>
       <p:ext uri="{BB962C8B-B14F-4D97-AF65-F5344CB8AC3E}">
@@ -6576,7 +6605,7 @@
             <a:pPr algn="l"/>
             <a:r>
               <a:rPr lang="hu-HU" dirty="0" smtClean="0"/>
-              <a:t>V8</a:t>
+              <a:t>V8 JavaScript-motor</a:t>
             </a:r>
             <a:endParaRPr lang="hu-HU" dirty="0"/>
           </a:p>
@@ -6629,6 +6658,47 @@
           </a:p>
         </p:txBody>
       </p:sp>
+      <p:pic>
+        <p:nvPicPr>
+          <p:cNvPr id="1026" name="Picture 2" descr="V8 JavaScript-motor – Wikipédia"/>
+          <p:cNvPicPr>
+            <a:picLocks noChangeAspect="1" noChangeArrowheads="1"/>
+          </p:cNvPicPr>
+          <p:nvPr/>
+        </p:nvPicPr>
+        <p:blipFill>
+          <a:blip r:embed="rId2" cstate="print">
+            <a:extLst>
+              <a:ext uri="{28A0092B-C50C-407E-A947-70E740481C1C}">
+                <a14:useLocalDpi xmlns:a14="http://schemas.microsoft.com/office/drawing/2010/main" val="0"/>
+              </a:ext>
+            </a:extLst>
+          </a:blip>
+          <a:srcRect/>
+          <a:stretch>
+            <a:fillRect/>
+          </a:stretch>
+        </p:blipFill>
+        <p:spPr bwMode="auto">
+          <a:xfrm>
+            <a:off x="8869271" y="323197"/>
+            <a:ext cx="2818504" cy="2818504"/>
+          </a:xfrm>
+          <a:prstGeom prst="rect">
+            <a:avLst/>
+          </a:prstGeom>
+          <a:noFill/>
+          <a:extLst>
+            <a:ext uri="{909E8E84-426E-40DD-AFC4-6F175D3DCCD1}">
+              <a14:hiddenFill xmlns:a14="http://schemas.microsoft.com/office/drawing/2010/main">
+                <a:solidFill>
+                  <a:srgbClr val="FFFFFF"/>
+                </a:solidFill>
+              </a14:hiddenFill>
+            </a:ext>
+          </a:extLst>
+        </p:spPr>
+      </p:pic>
     </p:spTree>
     <p:extLst>
       <p:ext uri="{BB962C8B-B14F-4D97-AF65-F5344CB8AC3E}">
@@ -6681,81 +6751,6 @@
           <a:bodyPr/>
           <a:lstStyle/>
           <a:p>
-            <a:endParaRPr lang="hu-HU"/>
-          </a:p>
-        </p:txBody>
-      </p:sp>
-      <p:sp>
-        <p:nvSpPr>
-          <p:cNvPr id="3" name="Tartalom helye 2"/>
-          <p:cNvSpPr>
-            <a:spLocks noGrp="1"/>
-          </p:cNvSpPr>
-          <p:nvPr>
-            <p:ph idx="1"/>
-          </p:nvPr>
-        </p:nvSpPr>
-        <p:spPr/>
-        <p:txBody>
-          <a:bodyPr/>
-          <a:lstStyle/>
-          <a:p>
-            <a:endParaRPr lang="hu-HU" dirty="0"/>
-          </a:p>
-        </p:txBody>
-      </p:sp>
-    </p:spTree>
-    <p:extLst>
-      <p:ext uri="{BB962C8B-B14F-4D97-AF65-F5344CB8AC3E}">
-        <p14:creationId xmlns:p14="http://schemas.microsoft.com/office/powerpoint/2010/main" val="49063834"/>
-      </p:ext>
-    </p:extLst>
-  </p:cSld>
-  <p:clrMapOvr>
-    <a:masterClrMapping/>
-  </p:clrMapOvr>
-  <p:timing>
-    <p:tnLst>
-      <p:par>
-        <p:cTn id="1" dur="indefinite" restart="never" nodeType="tmRoot"/>
-      </p:par>
-    </p:tnLst>
-  </p:timing>
-</p:sld>
-</file>
-
-<file path=ppt/slides/slide7.xml><?xml version="1.0" encoding="utf-8"?>
-<p:sld xmlns:a="http://schemas.openxmlformats.org/drawingml/2006/main" xmlns:r="http://schemas.openxmlformats.org/officeDocument/2006/relationships" xmlns:p="http://schemas.openxmlformats.org/presentationml/2006/main">
-  <p:cSld>
-    <p:spTree>
-      <p:nvGrpSpPr>
-        <p:cNvPr id="1" name=""/>
-        <p:cNvGrpSpPr/>
-        <p:nvPr/>
-      </p:nvGrpSpPr>
-      <p:grpSpPr>
-        <a:xfrm>
-          <a:off x="0" y="0"/>
-          <a:ext cx="0" cy="0"/>
-          <a:chOff x="0" y="0"/>
-          <a:chExt cx="0" cy="0"/>
-        </a:xfrm>
-      </p:grpSpPr>
-      <p:sp>
-        <p:nvSpPr>
-          <p:cNvPr id="2" name="Cím 1"/>
-          <p:cNvSpPr>
-            <a:spLocks noGrp="1"/>
-          </p:cNvSpPr>
-          <p:nvPr>
-            <p:ph type="title"/>
-          </p:nvPr>
-        </p:nvSpPr>
-        <p:spPr/>
-        <p:txBody>
-          <a:bodyPr/>
-          <a:lstStyle/>
-          <a:p>
             <a:pPr algn="l"/>
             <a:r>
               <a:rPr lang="hu-HU" dirty="0"/>
@@ -6833,7 +6828,7 @@
 </p:sld>
 </file>
 
-<file path=ppt/slides/slide8.xml><?xml version="1.0" encoding="utf-8"?>
+<file path=ppt/slides/slide7.xml><?xml version="1.0" encoding="utf-8"?>
 <p:sld xmlns:a="http://schemas.openxmlformats.org/drawingml/2006/main" xmlns:r="http://schemas.openxmlformats.org/officeDocument/2006/relationships" xmlns:p="http://schemas.openxmlformats.org/presentationml/2006/main">
   <p:cSld>
     <p:spTree>
